--- a/Agenda Materials/onedm-agenda-2023-01-09.pptx
+++ b/Agenda Materials/onedm-agenda-2023-01-09.pptx
@@ -6,12 +6,13 @@
     <p:sldMasterId id="2147483672" r:id="rId2"/>
   </p:sldMasterIdLst>
   <p:notesMasterIdLst>
-    <p:notesMasterId r:id="rId6"/>
+    <p:notesMasterId r:id="rId7"/>
   </p:notesMasterIdLst>
   <p:sldIdLst>
     <p:sldId id="256" r:id="rId3"/>
     <p:sldId id="354" r:id="rId4"/>
-    <p:sldId id="355" r:id="rId5"/>
+    <p:sldId id="356" r:id="rId5"/>
+    <p:sldId id="355" r:id="rId6"/>
   </p:sldIdLst>
   <p:sldSz cx="9144000" cy="6858000" type="letter"/>
   <p:notesSz cx="6858000" cy="9144000"/>
@@ -200,7 +201,7 @@
           <a:p>
             <a:fld id="{BA52C132-66A2-E345-8EBB-CCDD2AA78407}" type="datetimeFigureOut">
               <a:rPr lang="en-US" smtClean="0"/>
-              <a:t>1/6/23</a:t>
+              <a:t>1/9/23</a:t>
             </a:fld>
             <a:endParaRPr lang="en-US"/>
           </a:p>
@@ -598,7 +599,7 @@
           <a:p>
             <a:fld id="{D057EDBF-1783-6543-A668-FCF30E10D4FA}" type="datetimeFigureOut">
               <a:rPr lang="en-US" smtClean="0"/>
-              <a:t>1/6/23</a:t>
+              <a:t>1/9/23</a:t>
             </a:fld>
             <a:endParaRPr lang="en-US" dirty="0"/>
           </a:p>
@@ -1512,7 +1513,7 @@
           <a:p>
             <a:fld id="{D057EDBF-1783-6543-A668-FCF30E10D4FA}" type="datetimeFigureOut">
               <a:rPr lang="en-US" smtClean="0"/>
-              <a:t>1/6/23</a:t>
+              <a:t>1/9/23</a:t>
             </a:fld>
             <a:endParaRPr lang="en-US"/>
           </a:p>
@@ -1687,7 +1688,7 @@
           <a:p>
             <a:fld id="{D057EDBF-1783-6543-A668-FCF30E10D4FA}" type="datetimeFigureOut">
               <a:rPr lang="en-US" smtClean="0"/>
-              <a:t>1/6/23</a:t>
+              <a:t>1/9/23</a:t>
             </a:fld>
             <a:endParaRPr lang="en-US"/>
           </a:p>
@@ -1890,7 +1891,7 @@
           <a:p>
             <a:fld id="{908F779F-8F42-4393-AF9F-89DFA4BAC582}" type="datetimeFigureOut">
               <a:rPr lang="en-US" smtClean="0"/>
-              <a:t>1/6/23</a:t>
+              <a:t>1/9/23</a:t>
             </a:fld>
             <a:endParaRPr lang="en-US"/>
           </a:p>
@@ -2088,7 +2089,7 @@
           <a:p>
             <a:fld id="{908F779F-8F42-4393-AF9F-89DFA4BAC582}" type="datetimeFigureOut">
               <a:rPr lang="en-US" smtClean="0"/>
-              <a:t>1/6/23</a:t>
+              <a:t>1/9/23</a:t>
             </a:fld>
             <a:endParaRPr lang="en-US"/>
           </a:p>
@@ -2363,7 +2364,7 @@
           <a:p>
             <a:fld id="{908F779F-8F42-4393-AF9F-89DFA4BAC582}" type="datetimeFigureOut">
               <a:rPr lang="en-US" smtClean="0"/>
-              <a:t>1/6/23</a:t>
+              <a:t>1/9/23</a:t>
             </a:fld>
             <a:endParaRPr lang="en-US"/>
           </a:p>
@@ -2628,7 +2629,7 @@
           <a:p>
             <a:fld id="{908F779F-8F42-4393-AF9F-89DFA4BAC582}" type="datetimeFigureOut">
               <a:rPr lang="en-US" smtClean="0"/>
-              <a:t>1/6/23</a:t>
+              <a:t>1/9/23</a:t>
             </a:fld>
             <a:endParaRPr lang="en-US"/>
           </a:p>
@@ -3040,7 +3041,7 @@
           <a:p>
             <a:fld id="{908F779F-8F42-4393-AF9F-89DFA4BAC582}" type="datetimeFigureOut">
               <a:rPr lang="en-US" smtClean="0"/>
-              <a:t>1/6/23</a:t>
+              <a:t>1/9/23</a:t>
             </a:fld>
             <a:endParaRPr lang="en-US"/>
           </a:p>
@@ -3181,7 +3182,7 @@
           <a:p>
             <a:fld id="{908F779F-8F42-4393-AF9F-89DFA4BAC582}" type="datetimeFigureOut">
               <a:rPr lang="en-US" smtClean="0"/>
-              <a:t>1/6/23</a:t>
+              <a:t>1/9/23</a:t>
             </a:fld>
             <a:endParaRPr lang="en-US"/>
           </a:p>
@@ -3294,7 +3295,7 @@
           <a:p>
             <a:fld id="{908F779F-8F42-4393-AF9F-89DFA4BAC582}" type="datetimeFigureOut">
               <a:rPr lang="en-US" smtClean="0"/>
-              <a:t>1/6/23</a:t>
+              <a:t>1/9/23</a:t>
             </a:fld>
             <a:endParaRPr lang="en-US"/>
           </a:p>
@@ -3605,7 +3606,7 @@
           <a:p>
             <a:fld id="{908F779F-8F42-4393-AF9F-89DFA4BAC582}" type="datetimeFigureOut">
               <a:rPr lang="en-US" smtClean="0"/>
-              <a:t>1/6/23</a:t>
+              <a:t>1/9/23</a:t>
             </a:fld>
             <a:endParaRPr lang="en-US"/>
           </a:p>
@@ -3795,7 +3796,7 @@
           <a:p>
             <a:fld id="{D057EDBF-1783-6543-A668-FCF30E10D4FA}" type="datetimeFigureOut">
               <a:rPr lang="en-US" smtClean="0"/>
-              <a:t>1/6/23</a:t>
+              <a:t>1/9/23</a:t>
             </a:fld>
             <a:endParaRPr lang="en-US" dirty="0"/>
           </a:p>
@@ -4099,7 +4100,7 @@
           <a:p>
             <a:fld id="{908F779F-8F42-4393-AF9F-89DFA4BAC582}" type="datetimeFigureOut">
               <a:rPr lang="en-US" smtClean="0"/>
-              <a:t>1/6/23</a:t>
+              <a:t>1/9/23</a:t>
             </a:fld>
             <a:endParaRPr lang="en-US"/>
           </a:p>
@@ -4297,7 +4298,7 @@
           <a:p>
             <a:fld id="{908F779F-8F42-4393-AF9F-89DFA4BAC582}" type="datetimeFigureOut">
               <a:rPr lang="en-US" smtClean="0"/>
-              <a:t>1/6/23</a:t>
+              <a:t>1/9/23</a:t>
             </a:fld>
             <a:endParaRPr lang="en-US"/>
           </a:p>
@@ -4505,7 +4506,7 @@
           <a:p>
             <a:fld id="{908F779F-8F42-4393-AF9F-89DFA4BAC582}" type="datetimeFigureOut">
               <a:rPr lang="en-US" smtClean="0"/>
-              <a:t>1/6/23</a:t>
+              <a:t>1/9/23</a:t>
             </a:fld>
             <a:endParaRPr lang="en-US"/>
           </a:p>
@@ -4761,7 +4762,7 @@
           <a:p>
             <a:fld id="{D057EDBF-1783-6543-A668-FCF30E10D4FA}" type="datetimeFigureOut">
               <a:rPr lang="en-US" smtClean="0"/>
-              <a:t>1/6/23</a:t>
+              <a:t>1/9/23</a:t>
             </a:fld>
             <a:endParaRPr lang="en-US"/>
           </a:p>
@@ -4988,7 +4989,7 @@
           <a:p>
             <a:fld id="{D057EDBF-1783-6543-A668-FCF30E10D4FA}" type="datetimeFigureOut">
               <a:rPr lang="en-US" smtClean="0"/>
-              <a:t>1/6/23</a:t>
+              <a:t>1/9/23</a:t>
             </a:fld>
             <a:endParaRPr lang="en-US"/>
           </a:p>
@@ -5350,7 +5351,7 @@
           <a:p>
             <a:fld id="{D057EDBF-1783-6543-A668-FCF30E10D4FA}" type="datetimeFigureOut">
               <a:rPr lang="en-US" smtClean="0"/>
-              <a:t>1/6/23</a:t>
+              <a:t>1/9/23</a:t>
             </a:fld>
             <a:endParaRPr lang="en-US"/>
           </a:p>
@@ -5463,7 +5464,7 @@
           <a:p>
             <a:fld id="{D057EDBF-1783-6543-A668-FCF30E10D4FA}" type="datetimeFigureOut">
               <a:rPr lang="en-US" smtClean="0"/>
-              <a:t>1/6/23</a:t>
+              <a:t>1/9/23</a:t>
             </a:fld>
             <a:endParaRPr lang="en-US"/>
           </a:p>
@@ -5553,7 +5554,7 @@
           <a:p>
             <a:fld id="{D057EDBF-1783-6543-A668-FCF30E10D4FA}" type="datetimeFigureOut">
               <a:rPr lang="en-US" smtClean="0"/>
-              <a:t>1/6/23</a:t>
+              <a:t>1/9/23</a:t>
             </a:fld>
             <a:endParaRPr lang="en-US"/>
           </a:p>
@@ -5825,7 +5826,7 @@
           <a:p>
             <a:fld id="{D057EDBF-1783-6543-A668-FCF30E10D4FA}" type="datetimeFigureOut">
               <a:rPr lang="en-US" smtClean="0"/>
-              <a:t>1/6/23</a:t>
+              <a:t>1/9/23</a:t>
             </a:fld>
             <a:endParaRPr lang="en-US"/>
           </a:p>
@@ -6077,7 +6078,7 @@
           <a:p>
             <a:fld id="{D057EDBF-1783-6543-A668-FCF30E10D4FA}" type="datetimeFigureOut">
               <a:rPr lang="en-US" smtClean="0"/>
-              <a:t>1/6/23</a:t>
+              <a:t>1/9/23</a:t>
             </a:fld>
             <a:endParaRPr lang="en-US"/>
           </a:p>
@@ -6288,7 +6289,7 @@
           <a:p>
             <a:fld id="{D057EDBF-1783-6543-A668-FCF30E10D4FA}" type="datetimeFigureOut">
               <a:rPr lang="en-US" smtClean="0"/>
-              <a:t>1/6/23</a:t>
+              <a:t>1/9/23</a:t>
             </a:fld>
             <a:endParaRPr lang="en-US"/>
           </a:p>
@@ -6844,7 +6845,7 @@
           <a:p>
             <a:fld id="{908F779F-8F42-4393-AF9F-89DFA4BAC582}" type="datetimeFigureOut">
               <a:rPr lang="en-US" smtClean="0"/>
-              <a:t>1/6/23</a:t>
+              <a:t>1/9/23</a:t>
             </a:fld>
             <a:endParaRPr lang="en-US"/>
           </a:p>
@@ -7404,92 +7405,148 @@
         </p:nvSpPr>
         <p:spPr>
           <a:xfrm>
-            <a:off x="799233" y="1350580"/>
+            <a:off x="896052" y="951187"/>
             <a:ext cx="8176602" cy="4531488"/>
           </a:xfrm>
         </p:spPr>
         <p:txBody>
           <a:bodyPr>
-            <a:normAutofit fontScale="85000" lnSpcReduction="20000"/>
+            <a:noAutofit/>
           </a:bodyPr>
           <a:lstStyle/>
           <a:p>
             <a:r>
-              <a:rPr lang="en-GB" sz="3300" dirty="0"/>
+              <a:rPr lang="en-GB" sz="2400" dirty="0"/>
               <a:t>Welcome</a:t>
             </a:r>
           </a:p>
           <a:p>
             <a:r>
-              <a:rPr lang="en-GB" sz="3300" dirty="0"/>
+              <a:rPr lang="en-GB" sz="2400" dirty="0"/>
               <a:t>Updates and calendar</a:t>
             </a:r>
-            <a:endParaRPr lang="en-GB" sz="2900" dirty="0"/>
           </a:p>
           <a:p>
             <a:pPr lvl="1"/>
             <a:r>
-              <a:rPr lang="en-GB" sz="2900" dirty="0"/>
+              <a:rPr lang="en-GB" dirty="0"/>
               <a:t>ASDF interim Jan 12</a:t>
             </a:r>
             <a:r>
-              <a:rPr lang="en-GB" sz="2900" baseline="30000" dirty="0"/>
+              <a:rPr lang="en-GB" baseline="30000" dirty="0"/>
               <a:t>th</a:t>
             </a:r>
-            <a:endParaRPr lang="en-GB" sz="2900" dirty="0"/>
+            <a:endParaRPr lang="en-GB" dirty="0"/>
           </a:p>
           <a:p>
             <a:pPr lvl="1"/>
             <a:r>
-              <a:rPr lang="en-US" dirty="0">
+              <a:rPr lang="en-US" sz="1800" dirty="0">
                 <a:hlinkClick r:id="rId2"/>
               </a:rPr>
               <a:t>https://datatracker.ietf.org/meeting/upcoming</a:t>
             </a:r>
-            <a:endParaRPr lang="en-GB" sz="2900" dirty="0"/>
+            <a:endParaRPr lang="en-GB" dirty="0"/>
           </a:p>
           <a:p>
             <a:pPr lvl="1"/>
             <a:r>
-              <a:rPr lang="en-GB" sz="2900" dirty="0"/>
+              <a:rPr lang="en-GB" dirty="0"/>
               <a:t>Status updates</a:t>
             </a:r>
           </a:p>
           <a:p>
             <a:r>
-              <a:rPr lang="en-US" sz="3300" dirty="0"/>
+              <a:rPr lang="en-US" sz="2400" dirty="0"/>
               <a:t>Update on Bluetooth models</a:t>
             </a:r>
           </a:p>
           <a:p>
             <a:r>
-              <a:rPr lang="en-US" sz="3300" dirty="0"/>
+              <a:rPr lang="en-US" sz="2400" dirty="0"/>
               <a:t>Follow up on </a:t>
             </a:r>
             <a:r>
-              <a:rPr lang="en-US" sz="3300" dirty="0" err="1"/>
+              <a:rPr lang="en-US" sz="2400" dirty="0" err="1"/>
               <a:t>sdfRelation</a:t>
             </a:r>
             <a:r>
-              <a:rPr lang="en-US" sz="3300" dirty="0"/>
+              <a:rPr lang="en-US" sz="2400" dirty="0"/>
               <a:t> and </a:t>
             </a:r>
             <a:r>
-              <a:rPr lang="en-US" sz="3300" dirty="0" err="1"/>
+              <a:rPr lang="en-US" sz="2400" dirty="0" err="1"/>
               <a:t>sdfLink</a:t>
             </a:r>
-            <a:endParaRPr lang="en-US" sz="3300" dirty="0"/>
-          </a:p>
-          <a:p>
-            <a:r>
-              <a:rPr lang="en-US" sz="3200" dirty="0"/>
-              <a:t>ASDF Interim (if needed)</a:t>
-            </a:r>
-            <a:endParaRPr lang="en-GB" sz="3200" dirty="0"/>
-          </a:p>
-          <a:p>
-            <a:r>
-              <a:rPr lang="en-GB" sz="3300" dirty="0"/>
+            <a:r>
+              <a:rPr lang="en-US" sz="2400" dirty="0"/>
+              <a:t> – need to develop separate document to fully assess dependencies</a:t>
+            </a:r>
+          </a:p>
+          <a:p>
+            <a:pPr lvl="1"/>
+            <a:r>
+              <a:rPr lang="en-US" sz="2000" dirty="0"/>
+              <a:t>Working on examples on RG wiki page</a:t>
+            </a:r>
+          </a:p>
+          <a:p>
+            <a:r>
+              <a:rPr lang="en-US" sz="2400" dirty="0"/>
+              <a:t>ASDF Interim (if needed) – draft version expected Wed. pm – </a:t>
+            </a:r>
+            <a:r>
+              <a:rPr lang="en-US" sz="2400" dirty="0" err="1"/>
+              <a:t>ietf</a:t>
+            </a:r>
+            <a:r>
+              <a:rPr lang="en-US" sz="2400" dirty="0"/>
+              <a:t> 116 f2f? – </a:t>
+            </a:r>
+          </a:p>
+          <a:p>
+            <a:pPr lvl="1"/>
+            <a:r>
+              <a:rPr lang="en-US" sz="2000" dirty="0"/>
+              <a:t>issues 82, 83 </a:t>
+            </a:r>
+          </a:p>
+          <a:p>
+            <a:pPr lvl="1"/>
+            <a:r>
+              <a:rPr lang="en-US" sz="2000" dirty="0"/>
+              <a:t>Consensus seems to be for separate documents</a:t>
+            </a:r>
+          </a:p>
+          <a:p>
+            <a:pPr lvl="1"/>
+            <a:r>
+              <a:rPr lang="en-US" sz="2000" dirty="0"/>
+              <a:t>Issue #75</a:t>
+            </a:r>
+          </a:p>
+          <a:p>
+            <a:pPr lvl="1"/>
+            <a:r>
+              <a:rPr lang="en-US" sz="2000" dirty="0" err="1"/>
+              <a:t>Infoblock</a:t>
+            </a:r>
+            <a:r>
+              <a:rPr lang="en-US" sz="2000" dirty="0"/>
+              <a:t> issue 26 and 29</a:t>
+            </a:r>
+          </a:p>
+          <a:p>
+            <a:pPr lvl="1"/>
+            <a:r>
+              <a:rPr lang="en-US" sz="2000" dirty="0"/>
+              <a:t>Design considerations document – informative draft? Wiki page started to collect </a:t>
+            </a:r>
+            <a:endParaRPr lang="en-GB" sz="2000" dirty="0"/>
+          </a:p>
+          <a:p>
+            <a:r>
+              <a:rPr lang="en-GB" sz="2400" dirty="0"/>
               <a:t>AOB</a:t>
             </a:r>
           </a:p>
@@ -7509,6 +7566,153 @@
 </file>
 
 <file path=ppt/slides/slide3.xml><?xml version="1.0" encoding="utf-8"?>
+<p:sld xmlns:a="http://schemas.openxmlformats.org/drawingml/2006/main" xmlns:r="http://schemas.openxmlformats.org/officeDocument/2006/relationships" xmlns:p="http://schemas.openxmlformats.org/presentationml/2006/main">
+  <p:cSld>
+    <p:spTree>
+      <p:nvGrpSpPr>
+        <p:cNvPr id="1" name=""/>
+        <p:cNvGrpSpPr/>
+        <p:nvPr/>
+      </p:nvGrpSpPr>
+      <p:grpSpPr>
+        <a:xfrm>
+          <a:off x="0" y="0"/>
+          <a:ext cx="0" cy="0"/>
+          <a:chOff x="0" y="0"/>
+          <a:chExt cx="0" cy="0"/>
+        </a:xfrm>
+      </p:grpSpPr>
+      <p:sp>
+        <p:nvSpPr>
+          <p:cNvPr id="2" name="Title 1">
+            <a:extLst>
+              <a:ext uri="{FF2B5EF4-FFF2-40B4-BE49-F238E27FC236}">
+                <a16:creationId xmlns:a16="http://schemas.microsoft.com/office/drawing/2014/main" id="{B69B3A9C-66A5-AD46-B0F0-E8C645D18330}"/>
+              </a:ext>
+            </a:extLst>
+          </p:cNvPr>
+          <p:cNvSpPr>
+            <a:spLocks noGrp="1"/>
+          </p:cNvSpPr>
+          <p:nvPr>
+            <p:ph type="title"/>
+          </p:nvPr>
+        </p:nvSpPr>
+        <p:spPr/>
+        <p:txBody>
+          <a:bodyPr/>
+          <a:lstStyle/>
+          <a:p>
+            <a:r>
+              <a:rPr lang="en-US" dirty="0"/>
+              <a:t>URLs</a:t>
+            </a:r>
+          </a:p>
+        </p:txBody>
+      </p:sp>
+      <p:sp>
+        <p:nvSpPr>
+          <p:cNvPr id="3" name="Content Placeholder 2">
+            <a:extLst>
+              <a:ext uri="{FF2B5EF4-FFF2-40B4-BE49-F238E27FC236}">
+                <a16:creationId xmlns:a16="http://schemas.microsoft.com/office/drawing/2014/main" id="{E0F4C505-4094-F74F-A23B-602B80A40BB3}"/>
+              </a:ext>
+            </a:extLst>
+          </p:cNvPr>
+          <p:cNvSpPr>
+            <a:spLocks noGrp="1"/>
+          </p:cNvSpPr>
+          <p:nvPr>
+            <p:ph idx="1"/>
+          </p:nvPr>
+        </p:nvSpPr>
+        <p:spPr/>
+        <p:txBody>
+          <a:bodyPr/>
+          <a:lstStyle/>
+          <a:p>
+            <a:r>
+              <a:rPr lang="en-US" dirty="0">
+                <a:hlinkClick r:id="rId2"/>
+              </a:rPr>
+              <a:t>https://github.com/ietf-wg-asdf/SDF/wiki/Model-Design-Guidelines</a:t>
+            </a:r>
+            <a:endParaRPr lang="en-US" dirty="0"/>
+          </a:p>
+          <a:p>
+            <a:r>
+              <a:rPr lang="en-US" dirty="0"/>
+              <a:t>from Ari </a:t>
+            </a:r>
+            <a:r>
+              <a:rPr lang="en-US" dirty="0" err="1"/>
+              <a:t>Keränen</a:t>
+            </a:r>
+            <a:r>
+              <a:rPr lang="en-US" dirty="0"/>
+              <a:t> to Everyone:    8:23  AM</a:t>
+            </a:r>
+          </a:p>
+          <a:p>
+            <a:r>
+              <a:rPr lang="en-US" dirty="0">
+                <a:hlinkClick r:id="rId3"/>
+              </a:rPr>
+              <a:t>https://github.com/t2trg/wishi/wiki/NOTE:-Link-information-for-data-models#object-type-with-sdftype-link</a:t>
+            </a:r>
+            <a:endParaRPr lang="en-US" dirty="0"/>
+          </a:p>
+          <a:p>
+            <a:r>
+              <a:rPr lang="en-US" dirty="0"/>
+              <a:t>from Ari </a:t>
+            </a:r>
+            <a:r>
+              <a:rPr lang="en-US" dirty="0" err="1"/>
+              <a:t>Keränen</a:t>
+            </a:r>
+            <a:r>
+              <a:rPr lang="en-US" dirty="0"/>
+              <a:t> to Everyone:    8:23  AM</a:t>
+            </a:r>
+          </a:p>
+          <a:p>
+            <a:r>
+              <a:rPr lang="en-US" dirty="0">
+                <a:hlinkClick r:id="rId4"/>
+              </a:rPr>
+              <a:t>https://github.com/t2trg/wishi/wiki/NOTE:-Link-information-for-data-models</a:t>
+            </a:r>
+            <a:endParaRPr lang="en-US" dirty="0"/>
+          </a:p>
+          <a:p>
+            <a:r>
+              <a:rPr lang="en-US"/>
+              <a:t>draft-petrov-t2trg-youpi-01.txt</a:t>
+            </a:r>
+          </a:p>
+          <a:p>
+            <a:endParaRPr lang="en-US" dirty="0"/>
+          </a:p>
+          <a:p>
+            <a:endParaRPr lang="en-US" dirty="0"/>
+          </a:p>
+        </p:txBody>
+      </p:sp>
+    </p:spTree>
+    <p:extLst>
+      <p:ext uri="{BB962C8B-B14F-4D97-AF65-F5344CB8AC3E}">
+        <p14:creationId xmlns:p14="http://schemas.microsoft.com/office/powerpoint/2010/main" val="2194487023"/>
+      </p:ext>
+    </p:extLst>
+  </p:cSld>
+  <p:clrMapOvr>
+    <a:masterClrMapping/>
+  </p:clrMapOvr>
+</p:sld>
+</file>
+
+<file path=ppt/slides/slide4.xml><?xml version="1.0" encoding="utf-8"?>
 <p:sld xmlns:a="http://schemas.openxmlformats.org/drawingml/2006/main" xmlns:r="http://schemas.openxmlformats.org/officeDocument/2006/relationships" xmlns:p="http://schemas.openxmlformats.org/presentationml/2006/main">
   <p:cSld>
     <p:spTree>
